--- a/Lean UX/leanux.pptx
+++ b/Lean UX/leanux.pptx
@@ -104,6 +104,11 @@
       </a:defRPr>
     </a:lvl9pPr>
   </p:defaultTextStyle>
+  <p:extLst>
+    <p:ext uri="{EFAFB233-063F-42B5-8137-9DF3F51BA10A}">
+      <p15:sldGuideLst xmlns:p15="http://schemas.microsoft.com/office/powerpoint/2012/main"/>
+    </p:ext>
+  </p:extLst>
 </p:presentation>
 </file>
 
@@ -254,7 +259,7 @@
           <a:p>
             <a:fld id="{70F8F2D9-8330-40F8-B8D1-9258DC26AD36}" type="datetimeFigureOut">
               <a:rPr lang="pt-BR" smtClean="0"/>
-              <a:t>20/02/2022</a:t>
+              <a:t>21/02/2022</a:t>
             </a:fld>
             <a:endParaRPr lang="pt-BR"/>
           </a:p>
@@ -452,7 +457,7 @@
           <a:p>
             <a:fld id="{70F8F2D9-8330-40F8-B8D1-9258DC26AD36}" type="datetimeFigureOut">
               <a:rPr lang="pt-BR" smtClean="0"/>
-              <a:t>20/02/2022</a:t>
+              <a:t>21/02/2022</a:t>
             </a:fld>
             <a:endParaRPr lang="pt-BR"/>
           </a:p>
@@ -660,7 +665,7 @@
           <a:p>
             <a:fld id="{70F8F2D9-8330-40F8-B8D1-9258DC26AD36}" type="datetimeFigureOut">
               <a:rPr lang="pt-BR" smtClean="0"/>
-              <a:t>20/02/2022</a:t>
+              <a:t>21/02/2022</a:t>
             </a:fld>
             <a:endParaRPr lang="pt-BR"/>
           </a:p>
@@ -858,7 +863,7 @@
           <a:p>
             <a:fld id="{70F8F2D9-8330-40F8-B8D1-9258DC26AD36}" type="datetimeFigureOut">
               <a:rPr lang="pt-BR" smtClean="0"/>
-              <a:t>20/02/2022</a:t>
+              <a:t>21/02/2022</a:t>
             </a:fld>
             <a:endParaRPr lang="pt-BR"/>
           </a:p>
@@ -1133,7 +1138,7 @@
           <a:p>
             <a:fld id="{70F8F2D9-8330-40F8-B8D1-9258DC26AD36}" type="datetimeFigureOut">
               <a:rPr lang="pt-BR" smtClean="0"/>
-              <a:t>20/02/2022</a:t>
+              <a:t>21/02/2022</a:t>
             </a:fld>
             <a:endParaRPr lang="pt-BR"/>
           </a:p>
@@ -1398,7 +1403,7 @@
           <a:p>
             <a:fld id="{70F8F2D9-8330-40F8-B8D1-9258DC26AD36}" type="datetimeFigureOut">
               <a:rPr lang="pt-BR" smtClean="0"/>
-              <a:t>20/02/2022</a:t>
+              <a:t>21/02/2022</a:t>
             </a:fld>
             <a:endParaRPr lang="pt-BR"/>
           </a:p>
@@ -1810,7 +1815,7 @@
           <a:p>
             <a:fld id="{70F8F2D9-8330-40F8-B8D1-9258DC26AD36}" type="datetimeFigureOut">
               <a:rPr lang="pt-BR" smtClean="0"/>
-              <a:t>20/02/2022</a:t>
+              <a:t>21/02/2022</a:t>
             </a:fld>
             <a:endParaRPr lang="pt-BR"/>
           </a:p>
@@ -1951,7 +1956,7 @@
           <a:p>
             <a:fld id="{70F8F2D9-8330-40F8-B8D1-9258DC26AD36}" type="datetimeFigureOut">
               <a:rPr lang="pt-BR" smtClean="0"/>
-              <a:t>20/02/2022</a:t>
+              <a:t>21/02/2022</a:t>
             </a:fld>
             <a:endParaRPr lang="pt-BR"/>
           </a:p>
@@ -2064,7 +2069,7 @@
           <a:p>
             <a:fld id="{70F8F2D9-8330-40F8-B8D1-9258DC26AD36}" type="datetimeFigureOut">
               <a:rPr lang="pt-BR" smtClean="0"/>
-              <a:t>20/02/2022</a:t>
+              <a:t>21/02/2022</a:t>
             </a:fld>
             <a:endParaRPr lang="pt-BR"/>
           </a:p>
@@ -2375,7 +2380,7 @@
           <a:p>
             <a:fld id="{70F8F2D9-8330-40F8-B8D1-9258DC26AD36}" type="datetimeFigureOut">
               <a:rPr lang="pt-BR" smtClean="0"/>
-              <a:t>20/02/2022</a:t>
+              <a:t>21/02/2022</a:t>
             </a:fld>
             <a:endParaRPr lang="pt-BR"/>
           </a:p>
@@ -2663,7 +2668,7 @@
           <a:p>
             <a:fld id="{70F8F2D9-8330-40F8-B8D1-9258DC26AD36}" type="datetimeFigureOut">
               <a:rPr lang="pt-BR" smtClean="0"/>
-              <a:t>20/02/2022</a:t>
+              <a:t>21/02/2022</a:t>
             </a:fld>
             <a:endParaRPr lang="pt-BR"/>
           </a:p>
@@ -2904,7 +2909,7 @@
           <a:p>
             <a:fld id="{70F8F2D9-8330-40F8-B8D1-9258DC26AD36}" type="datetimeFigureOut">
               <a:rPr lang="pt-BR" smtClean="0"/>
-              <a:t>20/02/2022</a:t>
+              <a:t>21/02/2022</a:t>
             </a:fld>
             <a:endParaRPr lang="pt-BR"/>
           </a:p>
@@ -3782,7 +3787,7 @@
         </p:nvSpPr>
         <p:spPr>
           <a:xfrm>
-            <a:off x="1502629" y="2309553"/>
+            <a:off x="1337148" y="2216563"/>
             <a:ext cx="1202965" cy="630009"/>
           </a:xfrm>
           <a:prstGeom prst="rect">
@@ -3840,7 +3845,7 @@
         </p:nvSpPr>
         <p:spPr>
           <a:xfrm>
-            <a:off x="2795486" y="2370021"/>
+            <a:off x="2786320" y="2202318"/>
             <a:ext cx="1202965" cy="630009"/>
           </a:xfrm>
           <a:prstGeom prst="rect">
@@ -3875,7 +3880,7 @@
             <a:r>
               <a:rPr lang="pt-BR" sz="1200" kern="0" dirty="0">
                 <a:solidFill>
-                  <a:prstClr val="black"/>
+                  <a:schemeClr val="bg1"/>
                 </a:solidFill>
                 <a:latin typeface="Verdana" panose="020B0604030504040204" pitchFamily="34" charset="0"/>
                 <a:ea typeface="Verdana" panose="020B0604030504040204" pitchFamily="34" charset="0"/>
@@ -3900,7 +3905,7 @@
         </p:nvSpPr>
         <p:spPr>
           <a:xfrm>
-            <a:off x="1807728" y="2886381"/>
+            <a:off x="1847894" y="2746963"/>
             <a:ext cx="1202965" cy="630009"/>
           </a:xfrm>
           <a:prstGeom prst="rect">
@@ -3961,7 +3966,7 @@
         </p:nvSpPr>
         <p:spPr>
           <a:xfrm>
-            <a:off x="1735694" y="4488696"/>
+            <a:off x="2007576" y="4967257"/>
             <a:ext cx="1202965" cy="630009"/>
           </a:xfrm>
           <a:prstGeom prst="rect">
@@ -4000,7 +4005,7 @@
                 <a:ea typeface="Verdana" panose="020B0604030504040204" pitchFamily="34" charset="0"/>
                 <a:cs typeface="MV Boli" panose="02000500030200090000" pitchFamily="2" charset="0"/>
               </a:rPr>
-              <a:t>Comprador</a:t>
+              <a:t>Locador</a:t>
             </a:r>
           </a:p>
         </p:txBody>
@@ -4019,14 +4024,16 @@
         </p:nvSpPr>
         <p:spPr>
           <a:xfrm>
-            <a:off x="2743216" y="4938977"/>
+            <a:off x="3027152" y="4522650"/>
             <a:ext cx="1202965" cy="630009"/>
           </a:xfrm>
           <a:prstGeom prst="rect">
             <a:avLst/>
           </a:prstGeom>
           <a:solidFill>
-            <a:srgbClr val="00B050"/>
+            <a:schemeClr val="accent1">
+              <a:lumMod val="75000"/>
+            </a:schemeClr>
           </a:solidFill>
           <a:ln w="12700" cap="flat" cmpd="sng" algn="ctr">
             <a:noFill/>
@@ -4052,13 +4059,24 @@
             <a:r>
               <a:rPr lang="pt-BR" sz="1200" kern="0" dirty="0">
                 <a:solidFill>
+                  <a:schemeClr val="bg1"/>
+                </a:solidFill>
+                <a:latin typeface="Verdana" panose="020B0604030504040204" pitchFamily="34" charset="0"/>
+                <a:ea typeface="Verdana" panose="020B0604030504040204" pitchFamily="34" charset="0"/>
+                <a:cs typeface="MV Boli" panose="02000500030200090000" pitchFamily="2" charset="0"/>
+              </a:rPr>
+              <a:t>Locatário</a:t>
+            </a:r>
+            <a:r>
+              <a:rPr lang="pt-BR" sz="1200" kern="0" dirty="0">
+                <a:solidFill>
                   <a:prstClr val="black"/>
                 </a:solidFill>
                 <a:latin typeface="Verdana" panose="020B0604030504040204" pitchFamily="34" charset="0"/>
                 <a:ea typeface="Verdana" panose="020B0604030504040204" pitchFamily="34" charset="0"/>
                 <a:cs typeface="MV Boli" panose="02000500030200090000" pitchFamily="2" charset="0"/>
               </a:rPr>
-              <a:t>Proprietário</a:t>
+              <a:t> </a:t>
             </a:r>
           </a:p>
         </p:txBody>
@@ -4181,10 +4199,10 @@
       </p:sp>
       <p:sp>
         <p:nvSpPr>
-          <p:cNvPr id="23" name="Retângulo 22">
-            <a:extLst>
-              <a:ext uri="{FF2B5EF4-FFF2-40B4-BE49-F238E27FC236}">
-                <a16:creationId xmlns:a16="http://schemas.microsoft.com/office/drawing/2014/main" id="{E2B66A15-D8EC-4A37-9B3D-E9A75AE82966}"/>
+          <p:cNvPr id="24" name="Retângulo 23">
+            <a:extLst>
+              <a:ext uri="{FF2B5EF4-FFF2-40B4-BE49-F238E27FC236}">
+                <a16:creationId xmlns:a16="http://schemas.microsoft.com/office/drawing/2014/main" id="{1AED9473-C098-4850-961C-D3419DBBCA7A}"/>
               </a:ext>
             </a:extLst>
           </p:cNvPr>
@@ -4193,14 +4211,16 @@
         </p:nvSpPr>
         <p:spPr>
           <a:xfrm>
-            <a:off x="4768099" y="2687118"/>
-            <a:ext cx="1202965" cy="630009"/>
+            <a:off x="4816559" y="3530023"/>
+            <a:ext cx="1214390" cy="774943"/>
           </a:xfrm>
           <a:prstGeom prst="rect">
             <a:avLst/>
           </a:prstGeom>
           <a:solidFill>
-            <a:schemeClr val="accent6"/>
+            <a:schemeClr val="accent1">
+              <a:lumMod val="75000"/>
+            </a:schemeClr>
           </a:solidFill>
           <a:ln w="12700" cap="flat" cmpd="sng" algn="ctr">
             <a:noFill/>
@@ -4226,23 +4246,23 @@
             <a:r>
               <a:rPr lang="pt-BR" sz="1200" kern="0" dirty="0">
                 <a:solidFill>
-                  <a:prstClr val="black"/>
+                  <a:schemeClr val="bg1"/>
                 </a:solidFill>
                 <a:latin typeface="Verdana" panose="020B0604030504040204" pitchFamily="34" charset="0"/>
                 <a:ea typeface="Verdana" panose="020B0604030504040204" pitchFamily="34" charset="0"/>
                 <a:cs typeface="MV Boli" panose="02000500030200090000" pitchFamily="2" charset="0"/>
               </a:rPr>
-              <a:t>Interface Intuitiva</a:t>
-            </a:r>
-          </a:p>
-        </p:txBody>
-      </p:sp>
-      <p:sp>
-        <p:nvSpPr>
-          <p:cNvPr id="24" name="Retângulo 23">
-            <a:extLst>
-              <a:ext uri="{FF2B5EF4-FFF2-40B4-BE49-F238E27FC236}">
-                <a16:creationId xmlns:a16="http://schemas.microsoft.com/office/drawing/2014/main" id="{1AED9473-C098-4850-961C-D3419DBBCA7A}"/>
+              <a:t>Maior nicho de escolha</a:t>
+            </a:r>
+          </a:p>
+        </p:txBody>
+      </p:sp>
+      <p:sp>
+        <p:nvSpPr>
+          <p:cNvPr id="25" name="Retângulo 24">
+            <a:extLst>
+              <a:ext uri="{FF2B5EF4-FFF2-40B4-BE49-F238E27FC236}">
+                <a16:creationId xmlns:a16="http://schemas.microsoft.com/office/drawing/2014/main" id="{51F9A000-A7B9-4CC9-9EF1-FD623413F192}"/>
               </a:ext>
             </a:extLst>
           </p:cNvPr>
@@ -4251,7 +4271,7 @@
         </p:nvSpPr>
         <p:spPr>
           <a:xfrm>
-            <a:off x="4912404" y="3564011"/>
+            <a:off x="5730080" y="4150994"/>
             <a:ext cx="1202965" cy="630009"/>
           </a:xfrm>
           <a:prstGeom prst="rect">
@@ -4286,67 +4306,7 @@
             <a:r>
               <a:rPr lang="pt-BR" sz="1200" kern="0" dirty="0">
                 <a:solidFill>
-                  <a:prstClr val="black"/>
-                </a:solidFill>
-                <a:latin typeface="Verdana" panose="020B0604030504040204" pitchFamily="34" charset="0"/>
-                <a:ea typeface="Verdana" panose="020B0604030504040204" pitchFamily="34" charset="0"/>
-                <a:cs typeface="MV Boli" panose="02000500030200090000" pitchFamily="2" charset="0"/>
-              </a:rPr>
-              <a:t>Maior nicho de escolha</a:t>
-            </a:r>
-          </a:p>
-        </p:txBody>
-      </p:sp>
-      <p:sp>
-        <p:nvSpPr>
-          <p:cNvPr id="25" name="Retângulo 24">
-            <a:extLst>
-              <a:ext uri="{FF2B5EF4-FFF2-40B4-BE49-F238E27FC236}">
-                <a16:creationId xmlns:a16="http://schemas.microsoft.com/office/drawing/2014/main" id="{51F9A000-A7B9-4CC9-9EF1-FD623413F192}"/>
-              </a:ext>
-            </a:extLst>
-          </p:cNvPr>
-          <p:cNvSpPr/>
-          <p:nvPr/>
-        </p:nvSpPr>
-        <p:spPr>
-          <a:xfrm>
-            <a:off x="6017748" y="3798219"/>
-            <a:ext cx="1202965" cy="630009"/>
-          </a:xfrm>
-          <a:prstGeom prst="rect">
-            <a:avLst/>
-          </a:prstGeom>
-          <a:solidFill>
-            <a:schemeClr val="accent1">
-              <a:lumMod val="75000"/>
-            </a:schemeClr>
-          </a:solidFill>
-          <a:ln w="12700" cap="flat" cmpd="sng" algn="ctr">
-            <a:noFill/>
-            <a:prstDash val="solid"/>
-            <a:miter lim="800000"/>
-          </a:ln>
-          <a:effectLst>
-            <a:outerShdw blurRad="25400" dist="38100" dir="5400000" algn="t" rotWithShape="0">
-              <a:sysClr val="window" lastClr="FFFFFF">
-                <a:lumMod val="85000"/>
-                <a:alpha val="40000"/>
-              </a:sysClr>
-            </a:outerShdw>
-          </a:effectLst>
-        </p:spPr>
-        <p:txBody>
-          <a:bodyPr rtlCol="0" anchor="ctr"/>
-          <a:lstStyle/>
-          <a:p>
-            <a:pPr algn="ctr" defTabSz="727405">
-              <a:defRPr/>
-            </a:pPr>
-            <a:r>
-              <a:rPr lang="pt-BR" sz="1200" kern="0" dirty="0">
-                <a:solidFill>
-                  <a:prstClr val="black"/>
+                  <a:schemeClr val="bg1"/>
                 </a:solidFill>
                 <a:latin typeface="Verdana" panose="020B0604030504040204" pitchFamily="34" charset="0"/>
                 <a:ea typeface="Verdana" panose="020B0604030504040204" pitchFamily="34" charset="0"/>
@@ -4371,7 +4331,7 @@
         </p:nvSpPr>
         <p:spPr>
           <a:xfrm>
-            <a:off x="4814783" y="4652253"/>
+            <a:off x="4708960" y="5282261"/>
             <a:ext cx="1202965" cy="630009"/>
           </a:xfrm>
           <a:prstGeom prst="rect">
@@ -4432,7 +4392,7 @@
         </p:nvSpPr>
         <p:spPr>
           <a:xfrm>
-            <a:off x="5940891" y="5244111"/>
+            <a:off x="5837949" y="5074662"/>
             <a:ext cx="1202965" cy="630009"/>
           </a:xfrm>
           <a:prstGeom prst="rect">
@@ -4644,7 +4604,7 @@
             <a:r>
               <a:rPr lang="pt-BR" sz="1200" kern="0" dirty="0">
                 <a:solidFill>
-                  <a:prstClr val="black"/>
+                  <a:schemeClr val="bg1"/>
                 </a:solidFill>
                 <a:latin typeface="Verdana" panose="020B0604030504040204" pitchFamily="34" charset="0"/>
                 <a:ea typeface="Verdana" panose="020B0604030504040204" pitchFamily="34" charset="0"/>
@@ -4704,7 +4664,7 @@
             <a:r>
               <a:rPr lang="pt-BR" sz="1200" kern="0" dirty="0">
                 <a:solidFill>
-                  <a:prstClr val="black"/>
+                  <a:schemeClr val="bg1"/>
                 </a:solidFill>
                 <a:latin typeface="Verdana" panose="020B0604030504040204" pitchFamily="34" charset="0"/>
                 <a:ea typeface="Verdana" panose="020B0604030504040204" pitchFamily="34" charset="0"/>
@@ -4772,6 +4732,143 @@
                 <a:cs typeface="MV Boli" panose="02000500030200090000" pitchFamily="2" charset="0"/>
               </a:rPr>
               <a:t>Eficácia de divulgação</a:t>
+            </a:r>
+          </a:p>
+        </p:txBody>
+      </p:sp>
+      <p:sp>
+        <p:nvSpPr>
+          <p:cNvPr id="32" name="Retângulo 31">
+            <a:extLst>
+              <a:ext uri="{FF2B5EF4-FFF2-40B4-BE49-F238E27FC236}">
+                <a16:creationId xmlns:a16="http://schemas.microsoft.com/office/drawing/2014/main" id="{ED589A26-C2FC-4C68-8925-7E9AD47F1DCC}"/>
+              </a:ext>
+            </a:extLst>
+          </p:cNvPr>
+          <p:cNvSpPr/>
+          <p:nvPr/>
+        </p:nvSpPr>
+        <p:spPr>
+          <a:xfrm>
+            <a:off x="1211709" y="4444653"/>
+            <a:ext cx="1202965" cy="630009"/>
+          </a:xfrm>
+          <a:prstGeom prst="rect">
+            <a:avLst/>
+          </a:prstGeom>
+          <a:solidFill>
+            <a:schemeClr val="accent4">
+              <a:lumMod val="60000"/>
+              <a:lumOff val="40000"/>
+            </a:schemeClr>
+          </a:solidFill>
+          <a:ln w="12700" cap="flat" cmpd="sng" algn="ctr">
+            <a:noFill/>
+            <a:prstDash val="solid"/>
+            <a:miter lim="800000"/>
+          </a:ln>
+          <a:effectLst>
+            <a:outerShdw blurRad="25400" dist="38100" dir="5400000" algn="t" rotWithShape="0">
+              <a:sysClr val="window" lastClr="FFFFFF">
+                <a:lumMod val="85000"/>
+                <a:alpha val="40000"/>
+              </a:sysClr>
+            </a:outerShdw>
+          </a:effectLst>
+        </p:spPr>
+        <p:txBody>
+          <a:bodyPr rtlCol="0" anchor="ctr"/>
+          <a:lstStyle/>
+          <a:p>
+            <a:pPr algn="ctr" defTabSz="727405">
+              <a:defRPr/>
+            </a:pPr>
+            <a:r>
+              <a:rPr lang="pt-BR" sz="1200" dirty="0">
+                <a:solidFill>
+                  <a:srgbClr val="202124"/>
+                </a:solidFill>
+                <a:latin typeface="arial" panose="020B0604020202020204" pitchFamily="34" charset="0"/>
+              </a:rPr>
+              <a:t>C</a:t>
+            </a:r>
+            <a:r>
+              <a:rPr lang="pt-BR" sz="1200" b="0" i="0" dirty="0">
+                <a:solidFill>
+                  <a:srgbClr val="202124"/>
+                </a:solidFill>
+                <a:effectLst/>
+                <a:latin typeface="arial" panose="020B0604020202020204" pitchFamily="34" charset="0"/>
+              </a:rPr>
+              <a:t>omprador</a:t>
+            </a:r>
+            <a:endParaRPr lang="pt-BR" sz="1200" kern="0" dirty="0">
+              <a:solidFill>
+                <a:prstClr val="black"/>
+              </a:solidFill>
+              <a:latin typeface="Verdana" panose="020B0604030504040204" pitchFamily="34" charset="0"/>
+              <a:ea typeface="Verdana" panose="020B0604030504040204" pitchFamily="34" charset="0"/>
+              <a:cs typeface="MV Boli" panose="02000500030200090000" pitchFamily="2" charset="0"/>
+            </a:endParaRPr>
+          </a:p>
+        </p:txBody>
+      </p:sp>
+      <p:sp>
+        <p:nvSpPr>
+          <p:cNvPr id="35" name="Retângulo 34">
+            <a:extLst>
+              <a:ext uri="{FF2B5EF4-FFF2-40B4-BE49-F238E27FC236}">
+                <a16:creationId xmlns:a16="http://schemas.microsoft.com/office/drawing/2014/main" id="{27D6106F-611E-42D8-96A7-4FD484DF90B3}"/>
+              </a:ext>
+            </a:extLst>
+          </p:cNvPr>
+          <p:cNvSpPr/>
+          <p:nvPr/>
+        </p:nvSpPr>
+        <p:spPr>
+          <a:xfrm>
+            <a:off x="5963130" y="3572808"/>
+            <a:ext cx="1347007" cy="630009"/>
+          </a:xfrm>
+          <a:prstGeom prst="rect">
+            <a:avLst/>
+          </a:prstGeom>
+          <a:solidFill>
+            <a:schemeClr val="accent1">
+              <a:lumMod val="75000"/>
+            </a:schemeClr>
+          </a:solidFill>
+          <a:ln w="12700" cap="flat" cmpd="sng" algn="ctr">
+            <a:noFill/>
+            <a:prstDash val="solid"/>
+            <a:miter lim="800000"/>
+          </a:ln>
+          <a:effectLst>
+            <a:outerShdw blurRad="25400" dist="38100" dir="5400000" algn="t" rotWithShape="0">
+              <a:sysClr val="window" lastClr="FFFFFF">
+                <a:lumMod val="85000"/>
+                <a:alpha val="40000"/>
+              </a:sysClr>
+            </a:outerShdw>
+          </a:effectLst>
+        </p:spPr>
+        <p:txBody>
+          <a:bodyPr rtlCol="0" anchor="ctr"/>
+          <a:lstStyle/>
+          <a:p>
+            <a:pPr algn="ctr" defTabSz="727405">
+              <a:defRPr/>
+            </a:pPr>
+            <a:r>
+              <a:rPr lang="pt-BR" sz="1200" kern="0" dirty="0">
+                <a:solidFill>
+                  <a:schemeClr val="bg1"/>
+                </a:solidFill>
+                <a:latin typeface="Verdana" panose="020B0604030504040204" pitchFamily="34" charset="0"/>
+                <a:ea typeface="Verdana" panose="020B0604030504040204" pitchFamily="34" charset="0"/>
+                <a:cs typeface="MV Boli" panose="02000500030200090000" pitchFamily="2" charset="0"/>
+              </a:rPr>
+              <a:t>Detalhamento dos valores</a:t>
             </a:r>
           </a:p>
         </p:txBody>
